--- a/DesignPatterns.pptx
+++ b/DesignPatterns.pptx
@@ -39,7 +39,8 @@
     <p:sldId id="334" r:id="rId32"/>
     <p:sldId id="335" r:id="rId33"/>
     <p:sldId id="309" r:id="rId34"/>
-    <p:sldId id="261" r:id="rId35"/>
+    <p:sldId id="343" r:id="rId35"/>
+    <p:sldId id="261" r:id="rId36"/>
   </p:sldIdLst>
   <p:sldSz cx="12192000" cy="6858000"/>
   <p:notesSz cx="6858000" cy="9144000"/>
@@ -10833,6 +10834,91 @@
 </file>
 
 <file path=ppt/slides/slide32.xml><?xml version="1.0" encoding="utf-8"?>
+<p:sld xmlns:a="http://schemas.openxmlformats.org/drawingml/2006/main" xmlns:r="http://schemas.openxmlformats.org/officeDocument/2006/relationships" xmlns:p="http://schemas.openxmlformats.org/presentationml/2006/main">
+  <p:cSld>
+    <p:spTree>
+      <p:nvGrpSpPr>
+        <p:cNvPr id="1" name=""/>
+        <p:cNvGrpSpPr/>
+        <p:nvPr/>
+      </p:nvGrpSpPr>
+      <p:grpSpPr/>
+      <p:sp>
+        <p:nvSpPr>
+          <p:cNvPr id="2" name="Title 1"/>
+          <p:cNvSpPr>
+            <a:spLocks noGrp="1"/>
+          </p:cNvSpPr>
+          <p:nvPr>
+            <p:ph type="title"/>
+          </p:nvPr>
+        </p:nvSpPr>
+        <p:spPr>
+          <a:xfrm>
+            <a:off x="982345" y="896620"/>
+            <a:ext cx="10227310" cy="1143000"/>
+          </a:xfrm>
+        </p:spPr>
+        <p:txBody>
+          <a:bodyPr/>
+          <a:p>
+            <a:pPr algn="l"/>
+            <a:r>
+              <a:rPr lang="en-US" sz="3200">
+                <a:sym typeface="+mn-ea"/>
+              </a:rPr>
+              <a:t>The ppt itself and code sources</a:t>
+            </a:r>
+            <a:endParaRPr lang="en-US" sz="3200"/>
+          </a:p>
+        </p:txBody>
+      </p:sp>
+      <p:sp>
+        <p:nvSpPr>
+          <p:cNvPr id="3" name="Content Placeholder 2"/>
+          <p:cNvSpPr>
+            <a:spLocks noGrp="1"/>
+          </p:cNvSpPr>
+          <p:nvPr>
+            <p:ph idx="1"/>
+          </p:nvPr>
+        </p:nvSpPr>
+        <p:spPr>
+          <a:xfrm>
+            <a:off x="982345" y="2039620"/>
+            <a:ext cx="10374630" cy="3916045"/>
+          </a:xfrm>
+        </p:spPr>
+        <p:txBody>
+          <a:bodyPr/>
+          <a:p>
+            <a:r>
+              <a:rPr lang="en-US">
+                <a:solidFill>
+                  <a:srgbClr val="00B050"/>
+                </a:solidFill>
+                <a:sym typeface="+mn-ea"/>
+              </a:rPr>
+              <a:t>https://github.com/ritartha017/PPT-Decorator-TemplateMethod-Endava</a:t>
+            </a:r>
+            <a:endParaRPr lang="en-US">
+              <a:solidFill>
+                <a:srgbClr val="00B050"/>
+              </a:solidFill>
+              <a:sym typeface="+mn-ea"/>
+            </a:endParaRPr>
+          </a:p>
+        </p:txBody>
+      </p:sp>
+    </p:spTree>
+  </p:cSld>
+  <p:clrMapOvr>
+    <a:masterClrMapping/>
+  </p:clrMapOvr>
+</p:sld>
+</file>
+
+<file path=ppt/slides/slide33.xml><?xml version="1.0" encoding="utf-8"?>
 <p:sld xmlns:a="http://schemas.openxmlformats.org/drawingml/2006/main" xmlns:r="http://schemas.openxmlformats.org/officeDocument/2006/relationships" xmlns:p="http://schemas.openxmlformats.org/presentationml/2006/main">
   <p:cSld>
     <p:spTree>

--- a/DesignPatterns.pptx
+++ b/DesignPatterns.pptx
@@ -33,14 +33,15 @@
     <p:sldId id="332" r:id="rId26"/>
     <p:sldId id="313" r:id="rId27"/>
     <p:sldId id="312" r:id="rId28"/>
-    <p:sldId id="333" r:id="rId29"/>
-    <p:sldId id="326" r:id="rId30"/>
+    <p:sldId id="326" r:id="rId29"/>
+    <p:sldId id="345" r:id="rId30"/>
     <p:sldId id="327" r:id="rId31"/>
     <p:sldId id="334" r:id="rId32"/>
     <p:sldId id="335" r:id="rId33"/>
-    <p:sldId id="309" r:id="rId34"/>
-    <p:sldId id="343" r:id="rId35"/>
-    <p:sldId id="261" r:id="rId36"/>
+    <p:sldId id="333" r:id="rId34"/>
+    <p:sldId id="309" r:id="rId35"/>
+    <p:sldId id="343" r:id="rId36"/>
+    <p:sldId id="261" r:id="rId37"/>
   </p:sldIdLst>
   <p:sldSz cx="12192000" cy="6858000"/>
   <p:notesSz cx="6858000" cy="9144000"/>
@@ -962,7 +963,7 @@
               <a:rPr lang="en-US">
                 <a:sym typeface="+mn-ea"/>
               </a:rPr>
-              <a:t>For instance, if you need to allow variation of the details of each step or certain steps, while enforcing the structure and order of the steps themselves, then the Template Method may be appropriate.</a:t>
+              <a:t>[For instance, if you need to allow variation of the details of each step or certain steps, while enforcing the structure and order of the steps themselves, then the Template Method may be appropriate.]</a:t>
             </a:r>
             <a:endParaRPr lang="en-US">
               <a:sym typeface="+mn-ea"/>
@@ -1025,7 +1026,14 @@
           <a:p>
             <a:r>
               <a:rPr lang="en-US"/>
-              <a:t>The TMP consist of a base class, that defines a TM, and that TM calls one or more steps in an lgorithm. This methods are either abstract or virtual and tipically are not public, but they may be. The Concrete classes then are responsible for implementing one or more of these steps and then client will call the concrete class.</a:t>
+              <a:t>The TMP consist of a base class, that defines a TM, and that TM calls one or more steps in algorithm. This methods are either abstract or virtual and tipically are not public, but they may be.</a:t>
+            </a:r>
+            <a:endParaRPr lang="en-US"/>
+          </a:p>
+          <a:p>
+            <a:r>
+              <a:rPr lang="en-US"/>
+              <a:t>The Concrete classes then are responsible for implementing one or more of these steps and then client will call the concrete class.</a:t>
             </a:r>
             <a:endParaRPr lang="en-US"/>
           </a:p>
@@ -1086,7 +1094,14 @@
           <a:p>
             <a:r>
               <a:rPr lang="en-US"/>
-              <a:t>We are considering here an algorithm to play a game. To play a game steps will be common like initialize, start play and end play. Here we have to note that operations invocation should be in the same way as they are defined in the abstract class because start play cannot be called before initialize operation.</a:t>
+              <a:t>We are considering here an algorithm to play a game. To play a game steps will be common like initialize, start play and end play.</a:t>
+            </a:r>
+            <a:endParaRPr lang="en-US"/>
+          </a:p>
+          <a:p>
+            <a:r>
+              <a:rPr lang="en-US"/>
+              <a:t>Here we have to note that operations invocation should be in the same way as they are defined in the abstract class because start play cannot be called before initialize operation.</a:t>
             </a:r>
             <a:endParaRPr lang="en-US"/>
           </a:p>
@@ -1342,38 +1357,21 @@
         <p:txBody>
           <a:bodyPr/>
           <a:p>
-            <a:pPr marL="0" lvl="1"/>
-            <a:r>
-              <a:rPr lang="en-US"/>
-              <a:t>The are some consequences on choosing to use TMP. The first is that TM (1), which </a:t>
-            </a:r>
             <a:r>
               <a:rPr lang="en-US">
                 <a:sym typeface="+mn-ea"/>
               </a:rPr>
-              <a:t>can be a limitation, whe</a:t>
-            </a:r>
-            <a:r>
-              <a:rPr lang="ru-RU" altLang="en-US">
-                <a:sym typeface="+mn-ea"/>
-              </a:rPr>
-              <a:t>т</a:t>
-            </a:r>
-            <a:r>
-              <a:rPr lang="en-US">
-                <a:sym typeface="+mn-ea"/>
-              </a:rPr>
-              <a:t> you for eg already inherit some class within the child class .</a:t>
-            </a:r>
-            <a:endParaRPr lang="en-US">
-              <a:sym typeface="+mn-ea"/>
-            </a:endParaRPr>
-          </a:p>
-          <a:p>
-            <a:pPr marL="0" lvl="1"/>
+              <a:t>The interesting thing is that the usual control structure of object calls and relations is reversed. It is the parent class that calls the method in the subclass, a behavior which Richard E. Sweet refers to as the "Hollywood Principle" — "Don't call us, we'll call you." [The Template Design Pattern is of particular use in the Factory Design Pattern.]</a:t>
+            </a:r>
+            <a:endParaRPr lang="en-US"/>
+          </a:p>
+          <a:p>
+            <a:endParaRPr lang="en-US"/>
+          </a:p>
+          <a:p>
             <a:r>
               <a:rPr lang="en-US"/>
-              <a:t>(2)</a:t>
+              <a:t>[The base class with the template method is considered a high-level component - clients should depend on this class. the subclasses of the template method base class are low-level implementation - they dont cll anything themselves and are only called by the high-level template method.]</a:t>
             </a:r>
             <a:endParaRPr lang="en-US"/>
           </a:p>
@@ -1423,19 +1421,50 @@
               <a:rPr lang="en-US">
                 <a:sym typeface="+mn-ea"/>
               </a:rPr>
-              <a:t>The interesting thing is that the usual control structure of object calls and relations is reversed. It is the parent class that calls the method in the subclass, a behavior which Richard E. Sweet refers to as the "Hollywood Principle" — "Don't call us, we'll call you." [The Template Design Pattern is of particular use in the Factory Design Pattern.]</a:t>
-            </a:r>
-            <a:endParaRPr lang="en-US"/>
-          </a:p>
-          <a:p>
-            <a:endParaRPr lang="en-US"/>
-          </a:p>
-          <a:p>
-            <a:r>
-              <a:rPr lang="en-US"/>
-              <a:t>[The base class with the template method is considered a high-level component - clients should depend on this class. the subclasses of the template methods base class are low-level implementation - they dont cll anything themselves ad are only called by the high-level template method.]</a:t>
-            </a:r>
-            <a:endParaRPr lang="en-US"/>
+              <a:t>I hope you all remember our homework on refactoring gilded rose kata.</a:t>
+            </a:r>
+            <a:endParaRPr lang="en-US">
+              <a:sym typeface="+mn-ea"/>
+            </a:endParaRPr>
+          </a:p>
+          <a:p>
+            <a:r>
+              <a:rPr lang="en-US">
+                <a:sym typeface="+mn-ea"/>
+              </a:rPr>
+              <a:t>Were we have a system that could update its inventory of items, but our task was to add the new feature to the system so that the company can begin selling a new category of items (conjured item).</a:t>
+            </a:r>
+            <a:endParaRPr lang="en-US">
+              <a:sym typeface="+mn-ea"/>
+            </a:endParaRPr>
+          </a:p>
+          <a:p>
+            <a:endParaRPr lang="en-US">
+              <a:sym typeface="+mn-ea"/>
+            </a:endParaRPr>
+          </a:p>
+          <a:p>
+            <a:r>
+              <a:rPr lang="en-US">
+                <a:sym typeface="+mn-ea"/>
+              </a:rPr>
+              <a:t>there we were given a horrible monolithic code and</a:t>
+            </a:r>
+            <a:r>
+              <a:rPr lang="ru-RU" altLang="en-US">
+                <a:sym typeface="+mn-ea"/>
+              </a:rPr>
+              <a:t> </a:t>
+            </a:r>
+            <a:r>
+              <a:rPr lang="en-US">
+                <a:sym typeface="+mn-ea"/>
+              </a:rPr>
+              <a:t>if we tried to add new functionality to existing code, we would just end up in terrible pain of maintenance, where we run in agony to QA and complain that we broke all the tests</a:t>
+            </a:r>
+            <a:endParaRPr lang="en-US">
+              <a:sym typeface="+mn-ea"/>
+            </a:endParaRPr>
           </a:p>
         </p:txBody>
       </p:sp>
@@ -1481,7 +1510,7 @@
           <a:p>
             <a:r>
               <a:rPr lang="en-US"/>
-              <a:t>I hope you all remember our homework on refactoring gilded rose kata. I had refactored this code usig the template method and here we have the uml diagram of code that i obtained.</a:t>
+              <a:t> I had refactored this code usig the template method and here we have the uml diagram of code that i obtained.</a:t>
             </a:r>
             <a:endParaRPr lang="en-US"/>
           </a:p>
@@ -1595,6 +1624,83 @@
       <p:grpSpPr/>
       <p:sp>
         <p:nvSpPr>
+          <p:cNvPr id="2" name="Slide Image Placeholder 1"/>
+          <p:cNvSpPr/>
+          <p:nvPr>
+            <p:ph type="sldImg"/>
+          </p:nvPr>
+        </p:nvSpPr>
+        <p:spPr/>
+      </p:sp>
+      <p:sp>
+        <p:nvSpPr>
+          <p:cNvPr id="3" name="Text Placeholder 2"/>
+          <p:cNvSpPr/>
+          <p:nvPr>
+            <p:ph type="body"/>
+          </p:nvPr>
+        </p:nvSpPr>
+        <p:spPr/>
+        <p:txBody>
+          <a:bodyPr/>
+          <a:p>
+            <a:pPr marL="0" lvl="1"/>
+            <a:r>
+              <a:rPr lang="en-US"/>
+              <a:t>The are some consequences on choosing to use TMP. The first is that TM (1), which </a:t>
+            </a:r>
+            <a:r>
+              <a:rPr lang="en-US">
+                <a:sym typeface="+mn-ea"/>
+              </a:rPr>
+              <a:t>can be a limitation, whe</a:t>
+            </a:r>
+            <a:r>
+              <a:rPr lang="ru-RU" altLang="en-US">
+                <a:sym typeface="+mn-ea"/>
+              </a:rPr>
+              <a:t>т</a:t>
+            </a:r>
+            <a:r>
+              <a:rPr lang="en-US">
+                <a:sym typeface="+mn-ea"/>
+              </a:rPr>
+              <a:t> you for eg already inherit some class within the child class .</a:t>
+            </a:r>
+            <a:endParaRPr lang="en-US">
+              <a:sym typeface="+mn-ea"/>
+            </a:endParaRPr>
+          </a:p>
+          <a:p>
+            <a:pPr marL="0" lvl="1"/>
+            <a:r>
+              <a:rPr lang="en-US"/>
+              <a:t>(2)</a:t>
+            </a:r>
+            <a:endParaRPr lang="en-US"/>
+          </a:p>
+        </p:txBody>
+      </p:sp>
+    </p:spTree>
+  </p:cSld>
+  <p:clrMapOvr>
+    <a:masterClrMapping/>
+  </p:clrMapOvr>
+</p:notes>
+</file>
+
+<file path=ppt/notesSlides/notesSlide26.xml><?xml version="1.0" encoding="utf-8"?>
+<p:notes xmlns:a="http://schemas.openxmlformats.org/drawingml/2006/main" xmlns:r="http://schemas.openxmlformats.org/officeDocument/2006/relationships" xmlns:p="http://schemas.openxmlformats.org/presentationml/2006/main">
+  <p:cSld>
+    <p:spTree>
+      <p:nvGrpSpPr>
+        <p:cNvPr id="1" name=""/>
+        <p:cNvGrpSpPr/>
+        <p:nvPr/>
+      </p:nvGrpSpPr>
+      <p:grpSpPr/>
+      <p:sp>
+        <p:nvSpPr>
           <p:cNvPr id="10241" name="Slide Image Placeholder 1"/>
           <p:cNvSpPr>
             <a:spLocks noGrp="1" noRot="1"/>
@@ -1826,7 +1932,7 @@
           <a:p>
             <a:r>
               <a:rPr lang="en-US"/>
-              <a:t>So, let's say we are developing a program for a chain of coffee shops. There are some cafes in which we mainly sell coffee. And in this context, we have some options/or toppings if u will for coffee drinks. The main task is to generate a check with the cost of coffee. Well, for example, some such check. In fact, not like that, but a check just with the name of the coffee and the price.</a:t>
+              <a:t>So, let's say we are developing a program for a chain of coffee shops. There are some cafes in which we mainly sell coffee. And in this context, we have some options/or toppings if u will for coffee drinks. The main task is to generate a check with the cost of coffee. Well, for example, some such check.</a:t>
             </a:r>
             <a:endParaRPr lang="en-US"/>
           </a:p>
@@ -1884,7 +1990,7 @@
           <a:p>
             <a:r>
               <a:rPr lang="en-US"/>
-              <a:t>And everything will work great because we just add a new class and get a new type of coffee in our system. everything is wonderful. but, first of all, we must not forget that any solution, of course, may not be infinite, but any software solution, if anyone uses it, is constantly improved.</a:t>
+              <a:t>And everything will work great because we just add a new class and get a new type of coffee in our system. everything is wonderful. but, first of all, we must not forget that any software solution, if anyone uses it, is constantly improved.</a:t>
             </a:r>
             <a:endParaRPr lang="en-US"/>
           </a:p>
@@ -1962,7 +2068,7 @@
           <a:p>
             <a:r>
               <a:rPr lang="en-US"/>
-              <a:t>Cause then you end up in a situation like this. we can simple find ourselfs dealing with a nightmare of maintenance. A new class is need to be created for each possible combination, resulting in a class explosion.</a:t>
+              <a:t>Cause then we can end up in a situation like this. we can simple find ourselfs dealing with a nightmare of maintenance. A new class is need to be created for each possible combination, resulting in a class explosion.</a:t>
             </a:r>
             <a:endParaRPr lang="en-US"/>
           </a:p>
@@ -9988,147 +10094,6 @@
       <p:grpSpPr/>
       <p:sp>
         <p:nvSpPr>
-          <p:cNvPr id="2" name="Title 1"/>
-          <p:cNvSpPr>
-            <a:spLocks noGrp="1"/>
-          </p:cNvSpPr>
-          <p:nvPr>
-            <p:ph type="title"/>
-          </p:nvPr>
-        </p:nvSpPr>
-        <p:spPr>
-          <a:xfrm>
-            <a:off x="609600" y="256858"/>
-            <a:ext cx="10972800" cy="1143000"/>
-          </a:xfrm>
-        </p:spPr>
-        <p:txBody>
-          <a:bodyPr/>
-          <a:p>
-            <a:pPr algn="l"/>
-            <a:r>
-              <a:rPr lang="en-US"/>
-              <a:t>   But .. there are some consequences</a:t>
-            </a:r>
-            <a:endParaRPr lang="en-US"/>
-          </a:p>
-        </p:txBody>
-      </p:sp>
-      <p:sp>
-        <p:nvSpPr>
-          <p:cNvPr id="3" name="Content Placeholder 2"/>
-          <p:cNvSpPr>
-            <a:spLocks noGrp="1"/>
-          </p:cNvSpPr>
-          <p:nvPr>
-            <p:ph idx="1"/>
-          </p:nvPr>
-        </p:nvSpPr>
-        <p:spPr>
-          <a:xfrm>
-            <a:off x="609600" y="2202180"/>
-            <a:ext cx="10972800" cy="3623310"/>
-          </a:xfrm>
-        </p:spPr>
-        <p:txBody>
-          <a:bodyPr/>
-          <a:p>
-            <a:pPr lvl="1">
-              <a:buFont typeface="Arial" panose="020B0604020202020204" pitchFamily="34" charset="0"/>
-              <a:buChar char="•"/>
-            </a:pPr>
-            <a:r>
-              <a:rPr lang="en-US">
-                <a:sym typeface="+mn-ea"/>
-              </a:rPr>
-              <a:t>Relies on inheritance, rathen than composition</a:t>
-            </a:r>
-            <a:endParaRPr lang="en-US"/>
-          </a:p>
-          <a:p>
-            <a:pPr lvl="2">
-              <a:buFont typeface="Wingdings" panose="05000000000000000000" charset="0"/>
-              <a:buChar char="q"/>
-            </a:pPr>
-            <a:r>
-              <a:rPr lang="en-US">
-                <a:sym typeface="+mn-ea"/>
-              </a:rPr>
-              <a:t> We can use Strategy pattern for a composition-based solution</a:t>
-            </a:r>
-            <a:endParaRPr lang="en-US">
-              <a:sym typeface="+mn-ea"/>
-            </a:endParaRPr>
-          </a:p>
-          <a:p>
-            <a:pPr marL="914400" lvl="2" indent="0">
-              <a:buFont typeface="Wingdings" panose="05000000000000000000" charset="0"/>
-              <a:buNone/>
-            </a:pPr>
-            <a:endParaRPr lang="en-US">
-              <a:sym typeface="+mn-ea"/>
-            </a:endParaRPr>
-          </a:p>
-          <a:p>
-            <a:pPr lvl="1">
-              <a:buFont typeface="Arial" panose="020B0604020202020204" pitchFamily="34" charset="0"/>
-              <a:buChar char="•"/>
-            </a:pPr>
-            <a:r>
-              <a:rPr lang="en-US">
-                <a:sym typeface="+mn-ea"/>
-              </a:rPr>
-              <a:t>Single inheritance makes it difficult to merge 2 child algorithms into one</a:t>
-            </a:r>
-            <a:endParaRPr lang="en-US"/>
-          </a:p>
-          <a:p>
-            <a:pPr lvl="2">
-              <a:buFont typeface="Wingdings" panose="05000000000000000000" charset="0"/>
-              <a:buChar char="q"/>
-            </a:pPr>
-            <a:r>
-              <a:rPr lang="en-US">
-                <a:sym typeface="+mn-ea"/>
-              </a:rPr>
-              <a:t> We can use Decorator pattern for a possible solution to this problem</a:t>
-            </a:r>
-            <a:endParaRPr lang="en-US"/>
-          </a:p>
-          <a:p>
-            <a:pPr marL="457200" lvl="1" indent="0">
-              <a:buNone/>
-            </a:pPr>
-            <a:endParaRPr lang="en-US"/>
-          </a:p>
-          <a:p>
-            <a:pPr marL="457200" lvl="1" indent="0" algn="l">
-              <a:buNone/>
-            </a:pPr>
-            <a:endParaRPr lang="en-US"/>
-          </a:p>
-        </p:txBody>
-      </p:sp>
-    </p:spTree>
-  </p:cSld>
-  <p:clrMapOvr>
-    <a:masterClrMapping/>
-  </p:clrMapOvr>
-</p:sld>
-</file>
-
-<file path=ppt/slides/slide27.xml><?xml version="1.0" encoding="utf-8"?>
-<p:sld xmlns:a="http://schemas.openxmlformats.org/drawingml/2006/main" xmlns:r="http://schemas.openxmlformats.org/officeDocument/2006/relationships" xmlns:p="http://schemas.openxmlformats.org/presentationml/2006/main">
-  <p:cSld>
-    <p:spTree>
-      <p:nvGrpSpPr>
-        <p:cNvPr id="1" name=""/>
-        <p:cNvGrpSpPr/>
-        <p:nvPr/>
-      </p:nvGrpSpPr>
-      <p:grpSpPr/>
-      <p:sp>
-        <p:nvSpPr>
           <p:cNvPr id="7" name="Title 6"/>
           <p:cNvSpPr>
             <a:spLocks noGrp="1"/>
@@ -10194,6 +10159,74 @@
           <a:xfrm>
             <a:off x="1880235" y="1178560"/>
             <a:ext cx="5190490" cy="5200650"/>
+          </a:xfrm>
+          <a:prstGeom prst="rect">
+            <a:avLst/>
+          </a:prstGeom>
+        </p:spPr>
+      </p:pic>
+    </p:spTree>
+  </p:cSld>
+  <p:clrMapOvr>
+    <a:masterClrMapping/>
+  </p:clrMapOvr>
+</p:sld>
+</file>
+
+<file path=ppt/slides/slide27.xml><?xml version="1.0" encoding="utf-8"?>
+<p:sld xmlns:a="http://schemas.openxmlformats.org/drawingml/2006/main" xmlns:r="http://schemas.openxmlformats.org/officeDocument/2006/relationships" xmlns:p="http://schemas.openxmlformats.org/presentationml/2006/main">
+  <p:cSld>
+    <p:spTree>
+      <p:nvGrpSpPr>
+        <p:cNvPr id="1" name=""/>
+        <p:cNvGrpSpPr/>
+        <p:nvPr/>
+      </p:nvGrpSpPr>
+      <p:grpSpPr/>
+      <p:pic>
+        <p:nvPicPr>
+          <p:cNvPr id="5" name="Content Placeholder 4"/>
+          <p:cNvPicPr>
+            <a:picLocks noChangeAspect="1"/>
+          </p:cNvPicPr>
+          <p:nvPr>
+            <p:ph idx="1"/>
+          </p:nvPr>
+        </p:nvPicPr>
+        <p:blipFill>
+          <a:blip r:embed="rId1"/>
+          <a:stretch>
+            <a:fillRect/>
+          </a:stretch>
+        </p:blipFill>
+        <p:spPr>
+          <a:xfrm>
+            <a:off x="6875780" y="1068070"/>
+            <a:ext cx="4916170" cy="5323840"/>
+          </a:xfrm>
+          <a:prstGeom prst="rect">
+            <a:avLst/>
+          </a:prstGeom>
+        </p:spPr>
+      </p:pic>
+      <p:pic>
+        <p:nvPicPr>
+          <p:cNvPr id="7" name="Picture 6"/>
+          <p:cNvPicPr>
+            <a:picLocks noChangeAspect="1"/>
+          </p:cNvPicPr>
+          <p:nvPr/>
+        </p:nvPicPr>
+        <p:blipFill>
+          <a:blip r:embed="rId2"/>
+          <a:stretch>
+            <a:fillRect/>
+          </a:stretch>
+        </p:blipFill>
+        <p:spPr>
+          <a:xfrm>
+            <a:off x="348615" y="466725"/>
+            <a:ext cx="6337935" cy="5925185"/>
           </a:xfrm>
           <a:prstGeom prst="rect">
             <a:avLst/>
@@ -10759,8 +10792,8 @@
         </p:nvSpPr>
         <p:spPr>
           <a:xfrm>
-            <a:off x="982345" y="896620"/>
-            <a:ext cx="10227310" cy="1143000"/>
+            <a:off x="609600" y="256858"/>
+            <a:ext cx="10972800" cy="1143000"/>
           </a:xfrm>
         </p:spPr>
         <p:txBody>
@@ -10768,12 +10801,10 @@
           <a:p>
             <a:pPr algn="l"/>
             <a:r>
-              <a:rPr lang="en-US" sz="3200">
-                <a:sym typeface="+mn-ea"/>
-              </a:rPr>
-              <a:t>References</a:t>
-            </a:r>
-            <a:endParaRPr lang="en-US" sz="3200"/>
+              <a:rPr lang="en-US"/>
+              <a:t>   But .. there are some consequences</a:t>
+            </a:r>
+            <a:endParaRPr lang="en-US"/>
           </a:p>
         </p:txBody>
       </p:sp>
@@ -10789,39 +10820,86 @@
         </p:nvSpPr>
         <p:spPr>
           <a:xfrm>
-            <a:off x="982345" y="2039620"/>
-            <a:ext cx="9291320" cy="3916045"/>
+            <a:off x="609600" y="2202180"/>
+            <a:ext cx="10972800" cy="3623310"/>
           </a:xfrm>
         </p:spPr>
         <p:txBody>
           <a:bodyPr/>
           <a:p>
-            <a:r>
-              <a:rPr lang="en-US" sz="2000"/>
-              <a:t>https://stackoverflow.com/questions/1553856/where-should-we-use-template-method-pattern</a:t>
-            </a:r>
-            <a:endParaRPr lang="en-US" sz="2000"/>
-          </a:p>
-          <a:p>
-            <a:r>
-              <a:rPr lang="en-US" sz="2000"/>
-              <a:t>https://sourcemaking.com/design_patterns/template_method</a:t>
-            </a:r>
-            <a:endParaRPr lang="en-US" sz="2000"/>
-          </a:p>
-          <a:p>
-            <a:r>
-              <a:rPr lang="en-US" sz="2000"/>
-              <a:t>https://medium.com/deciphering-deadlocks/what-is-template-method-design-pattern-cf99389c8658</a:t>
-            </a:r>
-            <a:endParaRPr lang="en-US" sz="2000"/>
-          </a:p>
-          <a:p>
-            <a:r>
-              <a:rPr lang="en-US" sz="2000"/>
-              <a:t>https://www.decipherzone.com/blog-detail/template-method-design-pattern</a:t>
-            </a:r>
-            <a:endParaRPr lang="en-US" sz="2000"/>
+            <a:pPr lvl="1">
+              <a:buFont typeface="Arial" panose="020B0604020202020204" pitchFamily="34" charset="0"/>
+              <a:buChar char="•"/>
+            </a:pPr>
+            <a:r>
+              <a:rPr lang="en-US">
+                <a:sym typeface="+mn-ea"/>
+              </a:rPr>
+              <a:t>Relies on inheritance, rathen than composition</a:t>
+            </a:r>
+            <a:endParaRPr lang="en-US"/>
+          </a:p>
+          <a:p>
+            <a:pPr lvl="2">
+              <a:buFont typeface="Wingdings" panose="05000000000000000000" charset="0"/>
+              <a:buChar char="q"/>
+            </a:pPr>
+            <a:r>
+              <a:rPr lang="en-US">
+                <a:sym typeface="+mn-ea"/>
+              </a:rPr>
+              <a:t> We can use Strategy pattern for a composition-based solution</a:t>
+            </a:r>
+            <a:endParaRPr lang="en-US">
+              <a:sym typeface="+mn-ea"/>
+            </a:endParaRPr>
+          </a:p>
+          <a:p>
+            <a:pPr marL="914400" lvl="2" indent="0">
+              <a:buFont typeface="Wingdings" panose="05000000000000000000" charset="0"/>
+              <a:buNone/>
+            </a:pPr>
+            <a:endParaRPr lang="en-US">
+              <a:sym typeface="+mn-ea"/>
+            </a:endParaRPr>
+          </a:p>
+          <a:p>
+            <a:pPr lvl="1">
+              <a:buFont typeface="Arial" panose="020B0604020202020204" pitchFamily="34" charset="0"/>
+              <a:buChar char="•"/>
+            </a:pPr>
+            <a:r>
+              <a:rPr lang="en-US">
+                <a:sym typeface="+mn-ea"/>
+              </a:rPr>
+              <a:t>Single inheritance makes it difficult to merge 2 child algorithms into one</a:t>
+            </a:r>
+            <a:endParaRPr lang="en-US"/>
+          </a:p>
+          <a:p>
+            <a:pPr lvl="2">
+              <a:buFont typeface="Wingdings" panose="05000000000000000000" charset="0"/>
+              <a:buChar char="q"/>
+            </a:pPr>
+            <a:r>
+              <a:rPr lang="en-US">
+                <a:sym typeface="+mn-ea"/>
+              </a:rPr>
+              <a:t> We can use Decorator pattern for a possible solution to this problem</a:t>
+            </a:r>
+            <a:endParaRPr lang="en-US"/>
+          </a:p>
+          <a:p>
+            <a:pPr marL="457200" lvl="1" indent="0">
+              <a:buNone/>
+            </a:pPr>
+            <a:endParaRPr lang="en-US"/>
+          </a:p>
+          <a:p>
+            <a:pPr marL="457200" lvl="1" indent="0" algn="l">
+              <a:buNone/>
+            </a:pPr>
+            <a:endParaRPr lang="en-US"/>
           </a:p>
         </p:txBody>
       </p:sp>
@@ -10867,7 +10945,7 @@
               <a:rPr lang="en-US" sz="3200">
                 <a:sym typeface="+mn-ea"/>
               </a:rPr>
-              <a:t>The ppt itself and code sources</a:t>
+              <a:t>References</a:t>
             </a:r>
             <a:endParaRPr lang="en-US" sz="3200"/>
           </a:p>
@@ -10886,27 +10964,38 @@
         <p:spPr>
           <a:xfrm>
             <a:off x="982345" y="2039620"/>
-            <a:ext cx="10374630" cy="3916045"/>
+            <a:ext cx="9291320" cy="3916045"/>
           </a:xfrm>
         </p:spPr>
         <p:txBody>
           <a:bodyPr/>
           <a:p>
             <a:r>
-              <a:rPr lang="en-US">
-                <a:solidFill>
-                  <a:srgbClr val="00B050"/>
-                </a:solidFill>
-                <a:sym typeface="+mn-ea"/>
-              </a:rPr>
-              <a:t>https://github.com/ritartha017/PPT-Decorator-TemplateMethod-Endava</a:t>
-            </a:r>
-            <a:endParaRPr lang="en-US">
-              <a:solidFill>
-                <a:srgbClr val="00B050"/>
-              </a:solidFill>
-              <a:sym typeface="+mn-ea"/>
-            </a:endParaRPr>
+              <a:rPr lang="en-US" sz="2000"/>
+              <a:t>https://stackoverflow.com/questions/1553856/where-should-we-use-template-method-pattern</a:t>
+            </a:r>
+            <a:endParaRPr lang="en-US" sz="2000"/>
+          </a:p>
+          <a:p>
+            <a:r>
+              <a:rPr lang="en-US" sz="2000"/>
+              <a:t>https://sourcemaking.com/design_patterns/template_method</a:t>
+            </a:r>
+            <a:endParaRPr lang="en-US" sz="2000"/>
+          </a:p>
+          <a:p>
+            <a:r>
+              <a:rPr lang="en-US" sz="2000"/>
+              <a:t>https://medium.com/deciphering-deadlocks/what-is-template-method-design-pattern-cf99389c8658</a:t>
+            </a:r>
+            <a:endParaRPr lang="en-US" sz="2000"/>
+          </a:p>
+          <a:p>
+            <a:r>
+              <a:rPr lang="en-US" sz="2000"/>
+              <a:t>https://www.decipherzone.com/blog-detail/template-method-design-pattern</a:t>
+            </a:r>
+            <a:endParaRPr lang="en-US" sz="2000"/>
           </a:p>
         </p:txBody>
       </p:sp>
@@ -10919,6 +11008,91 @@
 </file>
 
 <file path=ppt/slides/slide33.xml><?xml version="1.0" encoding="utf-8"?>
+<p:sld xmlns:a="http://schemas.openxmlformats.org/drawingml/2006/main" xmlns:r="http://schemas.openxmlformats.org/officeDocument/2006/relationships" xmlns:p="http://schemas.openxmlformats.org/presentationml/2006/main">
+  <p:cSld>
+    <p:spTree>
+      <p:nvGrpSpPr>
+        <p:cNvPr id="1" name=""/>
+        <p:cNvGrpSpPr/>
+        <p:nvPr/>
+      </p:nvGrpSpPr>
+      <p:grpSpPr/>
+      <p:sp>
+        <p:nvSpPr>
+          <p:cNvPr id="2" name="Title 1"/>
+          <p:cNvSpPr>
+            <a:spLocks noGrp="1"/>
+          </p:cNvSpPr>
+          <p:nvPr>
+            <p:ph type="title"/>
+          </p:nvPr>
+        </p:nvSpPr>
+        <p:spPr>
+          <a:xfrm>
+            <a:off x="982345" y="896620"/>
+            <a:ext cx="10227310" cy="1143000"/>
+          </a:xfrm>
+        </p:spPr>
+        <p:txBody>
+          <a:bodyPr/>
+          <a:p>
+            <a:pPr algn="l"/>
+            <a:r>
+              <a:rPr lang="en-US" sz="3200">
+                <a:sym typeface="+mn-ea"/>
+              </a:rPr>
+              <a:t>The ppt itself and code sources</a:t>
+            </a:r>
+            <a:endParaRPr lang="en-US" sz="3200"/>
+          </a:p>
+        </p:txBody>
+      </p:sp>
+      <p:sp>
+        <p:nvSpPr>
+          <p:cNvPr id="3" name="Content Placeholder 2"/>
+          <p:cNvSpPr>
+            <a:spLocks noGrp="1"/>
+          </p:cNvSpPr>
+          <p:nvPr>
+            <p:ph idx="1"/>
+          </p:nvPr>
+        </p:nvSpPr>
+        <p:spPr>
+          <a:xfrm>
+            <a:off x="835025" y="2794000"/>
+            <a:ext cx="10374630" cy="1270000"/>
+          </a:xfrm>
+        </p:spPr>
+        <p:txBody>
+          <a:bodyPr/>
+          <a:p>
+            <a:r>
+              <a:rPr lang="en-US">
+                <a:solidFill>
+                  <a:srgbClr val="00B050"/>
+                </a:solidFill>
+                <a:sym typeface="+mn-ea"/>
+              </a:rPr>
+              <a:t>https://github.com/ritartha017/PPT-Decorator-TemplateMethod-Endava</a:t>
+            </a:r>
+            <a:endParaRPr lang="en-US">
+              <a:solidFill>
+                <a:srgbClr val="00B050"/>
+              </a:solidFill>
+              <a:sym typeface="+mn-ea"/>
+            </a:endParaRPr>
+          </a:p>
+        </p:txBody>
+      </p:sp>
+    </p:spTree>
+  </p:cSld>
+  <p:clrMapOvr>
+    <a:masterClrMapping/>
+  </p:clrMapOvr>
+</p:sld>
+</file>
+
+<file path=ppt/slides/slide34.xml><?xml version="1.0" encoding="utf-8"?>
 <p:sld xmlns:a="http://schemas.openxmlformats.org/drawingml/2006/main" xmlns:r="http://schemas.openxmlformats.org/officeDocument/2006/relationships" xmlns:p="http://schemas.openxmlformats.org/presentationml/2006/main">
   <p:cSld>
     <p:spTree>
